--- a/EDA_Google_Playstore_dataset/Data Science ppt.pptx
+++ b/EDA_Google_Playstore_dataset/Data Science ppt.pptx
@@ -121,7 +121,7 @@
   <pc:docChgLst>
     <pc:chgData name="harshdasliet09@outlook.com" userId="f262706fcdd471a6" providerId="LiveId" clId="{D82F6A5B-B310-4B19-B476-E8CC3856A094}"/>
     <pc:docChg chg="undo custSel addSld delSld modSld modMainMaster">
-      <pc:chgData name="harshdasliet09@outlook.com" userId="f262706fcdd471a6" providerId="LiveId" clId="{D82F6A5B-B310-4B19-B476-E8CC3856A094}" dt="2021-07-14T19:33:10.502" v="1239" actId="20577"/>
+      <pc:chgData name="harshdasliet09@outlook.com" userId="f262706fcdd471a6" providerId="LiveId" clId="{D82F6A5B-B310-4B19-B476-E8CC3856A094}" dt="2021-07-15T04:05:51.530" v="1262" actId="20577"/>
       <pc:docMkLst>
         <pc:docMk/>
       </pc:docMkLst>
@@ -271,8 +271,8 @@
           </ac:spMkLst>
         </pc:spChg>
       </pc:sldChg>
-      <pc:sldChg chg="modSp new mod modTransition">
-        <pc:chgData name="harshdasliet09@outlook.com" userId="f262706fcdd471a6" providerId="LiveId" clId="{D82F6A5B-B310-4B19-B476-E8CC3856A094}" dt="2021-07-14T19:19:36.148" v="1189" actId="14100"/>
+      <pc:sldChg chg="addSp delSp modSp new mod modTransition">
+        <pc:chgData name="harshdasliet09@outlook.com" userId="f262706fcdd471a6" providerId="LiveId" clId="{D82F6A5B-B310-4B19-B476-E8CC3856A094}" dt="2021-07-15T04:05:51.530" v="1262" actId="20577"/>
         <pc:sldMkLst>
           <pc:docMk/>
           <pc:sldMk cId="1949476993" sldId="258"/>
@@ -286,13 +286,29 @@
           </ac:spMkLst>
         </pc:spChg>
         <pc:spChg chg="mod">
-          <ac:chgData name="harshdasliet09@outlook.com" userId="f262706fcdd471a6" providerId="LiveId" clId="{D82F6A5B-B310-4B19-B476-E8CC3856A094}" dt="2021-07-14T19:19:36.148" v="1189" actId="14100"/>
+          <ac:chgData name="harshdasliet09@outlook.com" userId="f262706fcdd471a6" providerId="LiveId" clId="{D82F6A5B-B310-4B19-B476-E8CC3856A094}" dt="2021-07-15T04:05:51.530" v="1262" actId="20577"/>
           <ac:spMkLst>
             <pc:docMk/>
             <pc:sldMk cId="1949476993" sldId="258"/>
             <ac:spMk id="3" creationId="{51C140C4-0C28-4DA9-B609-AF7DF0E5034B}"/>
           </ac:spMkLst>
         </pc:spChg>
+        <pc:picChg chg="add del mod">
+          <ac:chgData name="harshdasliet09@outlook.com" userId="f262706fcdd471a6" providerId="LiveId" clId="{D82F6A5B-B310-4B19-B476-E8CC3856A094}" dt="2021-07-15T04:04:04.677" v="1249" actId="21"/>
+          <ac:picMkLst>
+            <pc:docMk/>
+            <pc:sldMk cId="1949476993" sldId="258"/>
+            <ac:picMk id="5" creationId="{9EC4AFFD-5E17-4A16-B5C6-CB2F8BFDCAE0}"/>
+          </ac:picMkLst>
+        </pc:picChg>
+        <pc:picChg chg="add mod">
+          <ac:chgData name="harshdasliet09@outlook.com" userId="f262706fcdd471a6" providerId="LiveId" clId="{D82F6A5B-B310-4B19-B476-E8CC3856A094}" dt="2021-07-15T04:04:55.410" v="1261" actId="1076"/>
+          <ac:picMkLst>
+            <pc:docMk/>
+            <pc:sldMk cId="1949476993" sldId="258"/>
+            <ac:picMk id="7" creationId="{B4FB56DD-ED5D-4CBD-A0B8-ED1E90BD7BEC}"/>
+          </ac:picMkLst>
+        </pc:picChg>
       </pc:sldChg>
       <pc:sldChg chg="del">
         <pc:chgData name="harshdasliet09@outlook.com" userId="f262706fcdd471a6" providerId="LiveId" clId="{D82F6A5B-B310-4B19-B476-E8CC3856A094}" dt="2021-07-14T03:48:29.924" v="244" actId="2696"/>
@@ -1356,7 +1372,7 @@
           <a:p>
             <a:fld id="{C764DE79-268F-4C1A-8933-263129D2AF90}" type="datetimeFigureOut">
               <a:rPr lang="en-US" smtClean="0"/>
-              <a:t>7/14/2021</a:t>
+              <a:t>7/15/2021</a:t>
             </a:fld>
             <a:endParaRPr lang="en-US" dirty="0"/>
           </a:p>
@@ -1622,7 +1638,7 @@
           <a:p>
             <a:fld id="{C764DE79-268F-4C1A-8933-263129D2AF90}" type="datetimeFigureOut">
               <a:rPr lang="en-US" smtClean="0"/>
-              <a:t>7/14/2021</a:t>
+              <a:t>7/15/2021</a:t>
             </a:fld>
             <a:endParaRPr lang="en-US" dirty="0"/>
           </a:p>
@@ -1872,7 +1888,7 @@
           <a:p>
             <a:fld id="{C764DE79-268F-4C1A-8933-263129D2AF90}" type="datetimeFigureOut">
               <a:rPr lang="en-US" smtClean="0"/>
-              <a:t>7/14/2021</a:t>
+              <a:t>7/15/2021</a:t>
             </a:fld>
             <a:endParaRPr lang="en-US" dirty="0"/>
           </a:p>
@@ -2180,7 +2196,7 @@
           <a:p>
             <a:fld id="{C764DE79-268F-4C1A-8933-263129D2AF90}" type="datetimeFigureOut">
               <a:rPr lang="en-US" smtClean="0"/>
-              <a:t>7/14/2021</a:t>
+              <a:t>7/15/2021</a:t>
             </a:fld>
             <a:endParaRPr lang="en-US" dirty="0"/>
           </a:p>
@@ -2498,7 +2514,7 @@
           <a:p>
             <a:fld id="{C764DE79-268F-4C1A-8933-263129D2AF90}" type="datetimeFigureOut">
               <a:rPr lang="en-US" smtClean="0"/>
-              <a:t>7/14/2021</a:t>
+              <a:t>7/15/2021</a:t>
             </a:fld>
             <a:endParaRPr lang="en-US" dirty="0"/>
           </a:p>
@@ -2800,7 +2816,7 @@
           <a:p>
             <a:fld id="{C764DE79-268F-4C1A-8933-263129D2AF90}" type="datetimeFigureOut">
               <a:rPr lang="en-US" smtClean="0"/>
-              <a:t>7/14/2021</a:t>
+              <a:t>7/15/2021</a:t>
             </a:fld>
             <a:endParaRPr lang="en-US" dirty="0"/>
           </a:p>
@@ -3167,7 +3183,7 @@
           <a:p>
             <a:fld id="{C764DE79-268F-4C1A-8933-263129D2AF90}" type="datetimeFigureOut">
               <a:rPr lang="en-US" smtClean="0"/>
-              <a:t>7/14/2021</a:t>
+              <a:t>7/15/2021</a:t>
             </a:fld>
             <a:endParaRPr lang="en-US" dirty="0"/>
           </a:p>
@@ -3353,7 +3369,7 @@
           <a:p>
             <a:fld id="{C764DE79-268F-4C1A-8933-263129D2AF90}" type="datetimeFigureOut">
               <a:rPr lang="en-US" smtClean="0"/>
-              <a:t>7/14/2021</a:t>
+              <a:t>7/15/2021</a:t>
             </a:fld>
             <a:endParaRPr lang="en-US" dirty="0"/>
           </a:p>
@@ -3539,7 +3555,7 @@
           <a:p>
             <a:fld id="{C764DE79-268F-4C1A-8933-263129D2AF90}" type="datetimeFigureOut">
               <a:rPr lang="en-US" smtClean="0"/>
-              <a:t>7/14/2021</a:t>
+              <a:t>7/15/2021</a:t>
             </a:fld>
             <a:endParaRPr lang="en-US" dirty="0"/>
           </a:p>
@@ -3719,7 +3735,7 @@
           <a:p>
             <a:fld id="{C764DE79-268F-4C1A-8933-263129D2AF90}" type="datetimeFigureOut">
               <a:rPr lang="en-US" smtClean="0"/>
-              <a:t>7/14/2021</a:t>
+              <a:t>7/15/2021</a:t>
             </a:fld>
             <a:endParaRPr lang="en-US" dirty="0"/>
           </a:p>
@@ -3969,7 +3985,7 @@
           <a:p>
             <a:fld id="{C764DE79-268F-4C1A-8933-263129D2AF90}" type="datetimeFigureOut">
               <a:rPr lang="en-US" smtClean="0"/>
-              <a:t>7/14/2021</a:t>
+              <a:t>7/15/2021</a:t>
             </a:fld>
             <a:endParaRPr lang="en-US" dirty="0"/>
           </a:p>
@@ -4216,7 +4232,7 @@
           <a:p>
             <a:fld id="{C764DE79-268F-4C1A-8933-263129D2AF90}" type="datetimeFigureOut">
               <a:rPr lang="en-US" smtClean="0"/>
-              <a:t>7/14/2021</a:t>
+              <a:t>7/15/2021</a:t>
             </a:fld>
             <a:endParaRPr lang="en-US" dirty="0"/>
           </a:p>
@@ -4605,7 +4621,7 @@
           <a:p>
             <a:fld id="{C764DE79-268F-4C1A-8933-263129D2AF90}" type="datetimeFigureOut">
               <a:rPr lang="en-US" smtClean="0"/>
-              <a:t>7/14/2021</a:t>
+              <a:t>7/15/2021</a:t>
             </a:fld>
             <a:endParaRPr lang="en-US" dirty="0"/>
           </a:p>
@@ -4734,7 +4750,7 @@
           <a:p>
             <a:fld id="{C764DE79-268F-4C1A-8933-263129D2AF90}" type="datetimeFigureOut">
               <a:rPr lang="en-US" smtClean="0"/>
-              <a:t>7/14/2021</a:t>
+              <a:t>7/15/2021</a:t>
             </a:fld>
             <a:endParaRPr lang="en-US" dirty="0"/>
           </a:p>
@@ -4829,7 +4845,7 @@
           <a:p>
             <a:fld id="{C764DE79-268F-4C1A-8933-263129D2AF90}" type="datetimeFigureOut">
               <a:rPr lang="en-US" smtClean="0"/>
-              <a:t>7/14/2021</a:t>
+              <a:t>7/15/2021</a:t>
             </a:fld>
             <a:endParaRPr lang="en-US" dirty="0"/>
           </a:p>
@@ -5084,7 +5100,7 @@
           <a:p>
             <a:fld id="{C764DE79-268F-4C1A-8933-263129D2AF90}" type="datetimeFigureOut">
               <a:rPr lang="en-US" smtClean="0"/>
-              <a:t>7/14/2021</a:t>
+              <a:t>7/15/2021</a:t>
             </a:fld>
             <a:endParaRPr lang="en-US" dirty="0"/>
           </a:p>
@@ -5367,7 +5383,7 @@
           <a:p>
             <a:fld id="{C764DE79-268F-4C1A-8933-263129D2AF90}" type="datetimeFigureOut">
               <a:rPr lang="en-US" smtClean="0"/>
-              <a:t>7/14/2021</a:t>
+              <a:t>7/15/2021</a:t>
             </a:fld>
             <a:endParaRPr lang="en-US" dirty="0"/>
           </a:p>
@@ -5778,7 +5794,7 @@
           <a:p>
             <a:fld id="{C764DE79-268F-4C1A-8933-263129D2AF90}" type="datetimeFigureOut">
               <a:rPr lang="en-US" smtClean="0"/>
-              <a:t>7/14/2021</a:t>
+              <a:t>7/15/2021</a:t>
             </a:fld>
             <a:endParaRPr lang="en-US" dirty="0"/>
           </a:p>
@@ -6637,13 +6653,13 @@
         </p:nvSpPr>
         <p:spPr>
           <a:xfrm>
-            <a:off x="533400" y="2015412"/>
-            <a:ext cx="6554867" cy="3172408"/>
+            <a:off x="533400" y="1558211"/>
+            <a:ext cx="8022771" cy="2127381"/>
           </a:xfrm>
         </p:spPr>
         <p:txBody>
           <a:bodyPr>
-            <a:normAutofit/>
+            <a:normAutofit fontScale="85000" lnSpcReduction="20000"/>
           </a:bodyPr>
           <a:lstStyle/>
           <a:p>
@@ -6692,8 +6708,12 @@
           </a:p>
           <a:p>
             <a:r>
+              <a:rPr lang="en-US"/>
+              <a:t>Finding </a:t>
+            </a:r>
+            <a:r>
               <a:rPr lang="en-US" dirty="0"/>
-              <a:t> Finding the </a:t>
+              <a:t>the </a:t>
             </a:r>
             <a:r>
               <a:rPr lang="en-US" dirty="0">
@@ -6743,6 +6763,42 @@
           </a:p>
         </p:txBody>
       </p:sp>
+      <p:pic>
+        <p:nvPicPr>
+          <p:cNvPr id="7" name="Picture 6">
+            <a:extLst>
+              <a:ext uri="{FF2B5EF4-FFF2-40B4-BE49-F238E27FC236}">
+                <a16:creationId xmlns:a16="http://schemas.microsoft.com/office/drawing/2014/main" id="{B4FB56DD-ED5D-4CBD-A0B8-ED1E90BD7BEC}"/>
+              </a:ext>
+            </a:extLst>
+          </p:cNvPr>
+          <p:cNvPicPr>
+            <a:picLocks noChangeAspect="1"/>
+          </p:cNvPicPr>
+          <p:nvPr/>
+        </p:nvPicPr>
+        <p:blipFill>
+          <a:blip r:embed="rId2">
+            <a:extLst>
+              <a:ext uri="{28A0092B-C50C-407E-A947-70E740481C1C}">
+                <a14:useLocalDpi xmlns:a14="http://schemas.microsoft.com/office/drawing/2010/main" val="0"/>
+              </a:ext>
+            </a:extLst>
+          </a:blip>
+          <a:stretch>
+            <a:fillRect/>
+          </a:stretch>
+        </p:blipFill>
+        <p:spPr>
+          <a:xfrm>
+            <a:off x="1101012" y="3685592"/>
+            <a:ext cx="6643396" cy="3023116"/>
+          </a:xfrm>
+          <a:prstGeom prst="rect">
+            <a:avLst/>
+          </a:prstGeom>
+        </p:spPr>
+      </p:pic>
     </p:spTree>
     <p:extLst>
       <p:ext uri="{BB962C8B-B14F-4D97-AF65-F5344CB8AC3E}">
